--- a/Python3/6.Python3-面向对象编程.pptx
+++ b/Python3/6.Python3-面向对象编程.pptx
@@ -9,7 +9,7 @@
     <p:notesMasterId r:id="rId5"/>
   </p:notesMasterIdLst>
   <p:handoutMasterIdLst>
-    <p:handoutMasterId r:id="rId10"/>
+    <p:handoutMasterId r:id="rId11"/>
   </p:handoutMasterIdLst>
   <p:sldIdLst>
     <p:sldId id="453" r:id="rId4"/>
@@ -17,6 +17,7 @@
     <p:sldId id="701" r:id="rId7"/>
     <p:sldId id="760" r:id="rId8"/>
     <p:sldId id="762" r:id="rId9"/>
+    <p:sldId id="763" r:id="rId10"/>
   </p:sldIdLst>
   <p:sldSz cx="9144000" cy="6858000" type="screen4x3"/>
   <p:notesSz cx="6858000" cy="9144000"/>
@@ -1222,6 +1223,89 @@
 </file>
 
 <file path=ppt/notesSlides/notesSlide5.xml><?xml version="1.0" encoding="utf-8"?>
+<p:notes xmlns:a="http://schemas.openxmlformats.org/drawingml/2006/main" xmlns:r="http://schemas.openxmlformats.org/officeDocument/2006/relationships" xmlns:p="http://schemas.openxmlformats.org/presentationml/2006/main">
+  <p:cSld>
+    <p:spTree>
+      <p:nvGrpSpPr>
+        <p:cNvPr id="1" name=""/>
+        <p:cNvGrpSpPr/>
+        <p:nvPr/>
+      </p:nvGrpSpPr>
+      <p:grpSpPr>
+        <a:xfrm>
+          <a:off x="0" y="0"/>
+          <a:ext cx="0" cy="0"/>
+          <a:chOff x="0" y="0"/>
+          <a:chExt cx="0" cy="0"/>
+        </a:xfrm>
+      </p:grpSpPr>
+      <p:sp>
+        <p:nvSpPr>
+          <p:cNvPr id="2" name="幻灯片图像占位符 1"/>
+          <p:cNvSpPr>
+            <a:spLocks noGrp="1" noRot="1" noChangeAspect="1"/>
+          </p:cNvSpPr>
+          <p:nvPr>
+            <p:ph type="sldImg"/>
+          </p:nvPr>
+        </p:nvSpPr>
+        <p:spPr>
+          <a:xfrm>
+            <a:off x="1371600" y="1143000"/>
+            <a:ext cx="4114800" cy="3086100"/>
+          </a:xfrm>
+        </p:spPr>
+      </p:sp>
+      <p:sp>
+        <p:nvSpPr>
+          <p:cNvPr id="3" name="备注占位符 2"/>
+          <p:cNvSpPr>
+            <a:spLocks noGrp="1"/>
+          </p:cNvSpPr>
+          <p:nvPr>
+            <p:ph type="body" idx="1"/>
+          </p:nvPr>
+        </p:nvSpPr>
+        <p:spPr/>
+        <p:txBody>
+          <a:bodyPr/>
+          <a:lstStyle/>
+          <a:p>
+            <a:endParaRPr lang="zh-CN" altLang="en-US"/>
+          </a:p>
+        </p:txBody>
+      </p:sp>
+      <p:sp>
+        <p:nvSpPr>
+          <p:cNvPr id="4" name="灯片编号占位符 3"/>
+          <p:cNvSpPr>
+            <a:spLocks noGrp="1"/>
+          </p:cNvSpPr>
+          <p:nvPr>
+            <p:ph type="sldNum" sz="quarter" idx="10"/>
+          </p:nvPr>
+        </p:nvSpPr>
+        <p:spPr/>
+        <p:txBody>
+          <a:bodyPr/>
+          <a:lstStyle/>
+          <a:p>
+            <a:fld id="{2ED26FC3-015A-4F86-ACC3-780431FB8E4D}" type="slidenum">
+              <a:rPr lang="zh-CN" altLang="en-US" smtClean="0"/>
+            </a:fld>
+            <a:endParaRPr lang="zh-CN" altLang="en-US"/>
+          </a:p>
+        </p:txBody>
+      </p:sp>
+    </p:spTree>
+  </p:cSld>
+  <p:clrMapOvr>
+    <a:masterClrMapping/>
+  </p:clrMapOvr>
+</p:notes>
+</file>
+
+<file path=ppt/notesSlides/notesSlide6.xml><?xml version="1.0" encoding="utf-8"?>
 <p:notes xmlns:a="http://schemas.openxmlformats.org/drawingml/2006/main" xmlns:r="http://schemas.openxmlformats.org/officeDocument/2006/relationships" xmlns:p="http://schemas.openxmlformats.org/presentationml/2006/main">
   <p:cSld>
     <p:spTree>
@@ -9873,6 +9957,379 @@
                 <a:cs typeface="Source Code Pro" panose="020B0509030403020204" charset="0"/>
               </a:rPr>
               <a:t>return self.__score</a:t>
+            </a:r>
+            <a:endParaRPr lang="en-US" altLang="zh-CN" sz="2000">
+              <a:latin typeface="Source Code Pro" panose="020B0509030403020204" charset="0"/>
+              <a:cs typeface="Source Code Pro" panose="020B0509030403020204" charset="0"/>
+            </a:endParaRPr>
+          </a:p>
+        </p:txBody>
+      </p:sp>
+    </p:spTree>
+    <p:custDataLst>
+      <p:tags r:id="rId2"/>
+    </p:custDataLst>
+  </p:cSld>
+  <p:clrMapOvr>
+    <a:masterClrMapping/>
+  </p:clrMapOvr>
+</p:sld>
+</file>
+
+<file path=ppt/slides/slide6.xml><?xml version="1.0" encoding="utf-8"?>
+<p:sld xmlns:a="http://schemas.openxmlformats.org/drawingml/2006/main" xmlns:r="http://schemas.openxmlformats.org/officeDocument/2006/relationships" xmlns:p="http://schemas.openxmlformats.org/presentationml/2006/main">
+  <p:cSld>
+    <p:spTree>
+      <p:nvGrpSpPr>
+        <p:cNvPr id="1" name=""/>
+        <p:cNvGrpSpPr/>
+        <p:nvPr/>
+      </p:nvGrpSpPr>
+      <p:grpSpPr>
+        <a:xfrm>
+          <a:off x="0" y="0"/>
+          <a:ext cx="0" cy="0"/>
+          <a:chOff x="0" y="0"/>
+          <a:chExt cx="0" cy="0"/>
+        </a:xfrm>
+      </p:grpSpPr>
+      <p:sp>
+        <p:nvSpPr>
+          <p:cNvPr id="8" name="标题 1"/>
+          <p:cNvSpPr txBox="1"/>
+          <p:nvPr>
+            <p:custDataLst>
+              <p:tags r:id="rId1"/>
+            </p:custDataLst>
+          </p:nvPr>
+        </p:nvSpPr>
+        <p:spPr>
+          <a:xfrm>
+            <a:off x="571608" y="661194"/>
+            <a:ext cx="7886700" cy="994172"/>
+          </a:xfrm>
+          <a:prstGeom prst="rect">
+            <a:avLst/>
+          </a:prstGeom>
+        </p:spPr>
+        <p:txBody>
+          <a:bodyPr vert="horz" wrap="square" lIns="68580" tIns="34290" rIns="68580" bIns="34290" rtlCol="0" anchor="ctr">
+            <a:normAutofit/>
+          </a:bodyPr>
+          <a:lstStyle>
+            <a:lvl1pPr defTabSz="914400">
+              <a:lnSpc>
+                <a:spcPct val="120000"/>
+              </a:lnSpc>
+              <a:spcBef>
+                <a:spcPct val="0"/>
+              </a:spcBef>
+              <a:buNone/>
+              <a:defRPr sz="3600">
+                <a:solidFill>
+                  <a:schemeClr val="tx1">
+                    <a:lumMod val="75000"/>
+                    <a:lumOff val="25000"/>
+                  </a:schemeClr>
+                </a:solidFill>
+                <a:latin typeface="+mj-lt"/>
+                <a:ea typeface="+mj-ea"/>
+                <a:cs typeface="+mj-cs"/>
+              </a:defRPr>
+            </a:lvl1pPr>
+          </a:lstStyle>
+          <a:p>
+            <a:r>
+              <a:rPr lang="zh-CN" altLang="zh-CN" smtClean="0">
+                <a:sym typeface="+mn-ea"/>
+              </a:rPr>
+              <a:t>面向对象编程</a:t>
+            </a:r>
+            <a:endParaRPr lang="zh-CN" altLang="zh-CN" smtClean="0">
+              <a:sym typeface="+mn-ea"/>
+            </a:endParaRPr>
+          </a:p>
+        </p:txBody>
+      </p:sp>
+      <p:sp>
+        <p:nvSpPr>
+          <p:cNvPr id="2" name="文本框 1"/>
+          <p:cNvSpPr txBox="1"/>
+          <p:nvPr/>
+        </p:nvSpPr>
+        <p:spPr>
+          <a:xfrm>
+            <a:off x="571500" y="2033905"/>
+            <a:ext cx="8050530" cy="2614930"/>
+          </a:xfrm>
+          <a:prstGeom prst="rect">
+            <a:avLst/>
+          </a:prstGeom>
+          <a:noFill/>
+        </p:spPr>
+        <p:txBody>
+          <a:bodyPr wrap="square" rtlCol="0">
+            <a:spAutoFit/>
+          </a:bodyPr>
+          <a:p>
+            <a:pPr algn="l"/>
+            <a:r>
+              <a:rPr lang="zh-CN" altLang="en-US">
+                <a:solidFill>
+                  <a:srgbClr val="0070C0"/>
+                </a:solidFill>
+              </a:rPr>
+              <a:t>继承与多态</a:t>
+            </a:r>
+            <a:endParaRPr lang="zh-CN" altLang="en-US">
+              <a:solidFill>
+                <a:srgbClr val="0070C0"/>
+              </a:solidFill>
+            </a:endParaRPr>
+          </a:p>
+          <a:p>
+            <a:pPr indent="457200" algn="l" eaLnBrk="1" latinLnBrk="0" hangingPunct="1"/>
+            <a:r>
+              <a:rPr lang="zh-CN" altLang="en-US" sz="2000"/>
+              <a:t>在Class内部， 可以有属性和方法， 而外部代码可以通过直接调用实例变量的方法来操作数据， 这样， 就隐藏了内部的复杂逻辑。</a:t>
+            </a:r>
+            <a:endParaRPr lang="zh-CN" altLang="en-US" sz="2000"/>
+          </a:p>
+          <a:p>
+            <a:pPr indent="0" algn="l" eaLnBrk="1" latinLnBrk="0" hangingPunct="1"/>
+            <a:r>
+              <a:rPr lang="zh-CN" altLang="en-US" sz="2000">
+                <a:latin typeface="Source Code Pro" panose="020B0509030403020204" charset="0"/>
+                <a:cs typeface="Source Code Pro" panose="020B0509030403020204" charset="0"/>
+              </a:rPr>
+              <a:t>class </a:t>
+            </a:r>
+            <a:r>
+              <a:rPr lang="en-US" altLang="zh-CN" sz="2000">
+                <a:latin typeface="Source Code Pro" panose="020B0509030403020204" charset="0"/>
+                <a:cs typeface="Source Code Pro" panose="020B0509030403020204" charset="0"/>
+              </a:rPr>
+              <a:t>M</a:t>
+            </a:r>
+            <a:r>
+              <a:rPr lang="zh-CN" altLang="en-US" sz="2000">
+                <a:latin typeface="Source Code Pro" panose="020B0509030403020204" charset="0"/>
+                <a:cs typeface="Source Code Pro" panose="020B0509030403020204" charset="0"/>
+              </a:rPr>
+              <a:t>onitor(</a:t>
+            </a:r>
+            <a:r>
+              <a:rPr lang="en-US" altLang="zh-CN" sz="2000">
+                <a:solidFill>
+                  <a:srgbClr val="FF0000"/>
+                </a:solidFill>
+                <a:latin typeface="Source Code Pro" panose="020B0509030403020204" charset="0"/>
+                <a:cs typeface="Source Code Pro" panose="020B0509030403020204" charset="0"/>
+              </a:rPr>
+              <a:t>Student</a:t>
+            </a:r>
+            <a:r>
+              <a:rPr lang="zh-CN" altLang="en-US" sz="2000">
+                <a:latin typeface="Source Code Pro" panose="020B0509030403020204" charset="0"/>
+                <a:cs typeface="Source Code Pro" panose="020B0509030403020204" charset="0"/>
+              </a:rPr>
+              <a:t>):</a:t>
+            </a:r>
+            <a:endParaRPr lang="zh-CN" altLang="en-US" sz="2000">
+              <a:latin typeface="Source Code Pro" panose="020B0509030403020204" charset="0"/>
+              <a:cs typeface="Source Code Pro" panose="020B0509030403020204" charset="0"/>
+            </a:endParaRPr>
+          </a:p>
+          <a:p>
+            <a:pPr indent="0" algn="l" eaLnBrk="1" latinLnBrk="0" hangingPunct="1"/>
+            <a:r>
+              <a:rPr lang="zh-CN" altLang="en-US" sz="2000">
+                <a:latin typeface="Source Code Pro" panose="020B0509030403020204" charset="0"/>
+                <a:cs typeface="Source Code Pro" panose="020B0509030403020204" charset="0"/>
+              </a:rPr>
+              <a:t>    def __init__(self, name, score):</a:t>
+            </a:r>
+            <a:endParaRPr lang="zh-CN" altLang="en-US" sz="2000">
+              <a:latin typeface="Source Code Pro" panose="020B0509030403020204" charset="0"/>
+              <a:cs typeface="Source Code Pro" panose="020B0509030403020204" charset="0"/>
+            </a:endParaRPr>
+          </a:p>
+          <a:p>
+            <a:pPr indent="0" algn="l" eaLnBrk="1" latinLnBrk="0" hangingPunct="1"/>
+            <a:r>
+              <a:rPr lang="zh-CN" altLang="en-US" sz="2000">
+                <a:latin typeface="Source Code Pro" panose="020B0509030403020204" charset="0"/>
+                <a:cs typeface="Source Code Pro" panose="020B0509030403020204" charset="0"/>
+                <a:sym typeface="+mn-ea"/>
+              </a:rPr>
+              <a:t>        </a:t>
+            </a:r>
+            <a:r>
+              <a:rPr lang="zh-CN" altLang="en-US" sz="2000">
+                <a:latin typeface="Source Code Pro" panose="020B0509030403020204" charset="0"/>
+                <a:cs typeface="Source Code Pro" panose="020B0509030403020204" charset="0"/>
+              </a:rPr>
+              <a:t>super</a:t>
+            </a:r>
+            <a:r>
+              <a:rPr lang="en-US" altLang="zh-CN" sz="2000">
+                <a:latin typeface="Source Code Pro" panose="020B0509030403020204" charset="0"/>
+                <a:cs typeface="Source Code Pro" panose="020B0509030403020204" charset="0"/>
+              </a:rPr>
+              <a:t>(</a:t>
+            </a:r>
+            <a:r>
+              <a:rPr lang="en-US" altLang="zh-CN" sz="2000">
+                <a:latin typeface="Source Code Pro" panose="020B0509030403020204" charset="0"/>
+                <a:cs typeface="Source Code Pro" panose="020B0509030403020204" charset="0"/>
+                <a:sym typeface="+mn-ea"/>
+              </a:rPr>
+              <a:t>M</a:t>
+            </a:r>
+            <a:r>
+              <a:rPr lang="zh-CN" altLang="en-US" sz="2000">
+                <a:latin typeface="Source Code Pro" panose="020B0509030403020204" charset="0"/>
+                <a:cs typeface="Source Code Pro" panose="020B0509030403020204" charset="0"/>
+                <a:sym typeface="+mn-ea"/>
+              </a:rPr>
+              <a:t>onitor</a:t>
+            </a:r>
+            <a:r>
+              <a:rPr lang="en-US" altLang="zh-CN" sz="2000">
+                <a:latin typeface="Source Code Pro" panose="020B0509030403020204" charset="0"/>
+                <a:cs typeface="Source Code Pro" panose="020B0509030403020204" charset="0"/>
+                <a:sym typeface="+mn-ea"/>
+              </a:rPr>
+              <a:t>,self</a:t>
+            </a:r>
+            <a:r>
+              <a:rPr lang="en-US" altLang="zh-CN" sz="2000">
+                <a:latin typeface="Source Code Pro" panose="020B0509030403020204" charset="0"/>
+                <a:cs typeface="Source Code Pro" panose="020B0509030403020204" charset="0"/>
+              </a:rPr>
+              <a:t>).__init__(</a:t>
+            </a:r>
+            <a:r>
+              <a:rPr lang="en-US" altLang="zh-CN" sz="2000">
+                <a:latin typeface="Source Code Pro" panose="020B0509030403020204" charset="0"/>
+                <a:cs typeface="Source Code Pro" panose="020B0509030403020204" charset="0"/>
+                <a:sym typeface="+mn-ea"/>
+              </a:rPr>
+              <a:t>name,score</a:t>
+            </a:r>
+            <a:r>
+              <a:rPr lang="en-US" altLang="zh-CN" sz="2000">
+                <a:latin typeface="Source Code Pro" panose="020B0509030403020204" charset="0"/>
+                <a:cs typeface="Source Code Pro" panose="020B0509030403020204" charset="0"/>
+              </a:rPr>
+              <a:t>)</a:t>
+            </a:r>
+            <a:endParaRPr lang="en-US" altLang="zh-CN" sz="2000">
+              <a:latin typeface="Source Code Pro" panose="020B0509030403020204" charset="0"/>
+              <a:cs typeface="Source Code Pro" panose="020B0509030403020204" charset="0"/>
+            </a:endParaRPr>
+          </a:p>
+          <a:p>
+            <a:pPr indent="0" algn="l" eaLnBrk="1" latinLnBrk="0" hangingPunct="1"/>
+            <a:r>
+              <a:rPr lang="en-US" altLang="zh-CN" sz="2000">
+                <a:latin typeface="Source Code Pro" panose="020B0509030403020204" charset="0"/>
+                <a:cs typeface="Source Code Pro" panose="020B0509030403020204" charset="0"/>
+              </a:rPr>
+              <a:t>    </a:t>
+            </a:r>
+            <a:r>
+              <a:rPr lang="en-US" altLang="zh-CN" sz="2000">
+                <a:latin typeface="Source Code Pro" panose="020B0509030403020204" charset="0"/>
+                <a:cs typeface="Source Code Pro" panose="020B0509030403020204" charset="0"/>
+                <a:sym typeface="+mn-ea"/>
+              </a:rPr>
+              <a:t>def </a:t>
+            </a:r>
+            <a:r>
+              <a:rPr lang="en-US" altLang="zh-CN" sz="2000">
+                <a:solidFill>
+                  <a:srgbClr val="FF0000"/>
+                </a:solidFill>
+                <a:latin typeface="Source Code Pro" panose="020B0509030403020204" charset="0"/>
+                <a:cs typeface="Source Code Pro" panose="020B0509030403020204" charset="0"/>
+                <a:sym typeface="+mn-ea"/>
+              </a:rPr>
+              <a:t>get_name</a:t>
+            </a:r>
+            <a:r>
+              <a:rPr lang="en-US" altLang="zh-CN" sz="2000">
+                <a:latin typeface="Source Code Pro" panose="020B0509030403020204" charset="0"/>
+                <a:cs typeface="Source Code Pro" panose="020B0509030403020204" charset="0"/>
+                <a:sym typeface="+mn-ea"/>
+              </a:rPr>
+              <a:t>(self):</a:t>
+            </a:r>
+            <a:r>
+              <a:rPr lang="en-US" altLang="zh-CN" sz="2000">
+                <a:solidFill>
+                  <a:schemeClr val="bg2">
+                    <a:lumMod val="50000"/>
+                  </a:schemeClr>
+                </a:solidFill>
+                <a:latin typeface="Source Code Pro" panose="020B0509030403020204" charset="0"/>
+                <a:cs typeface="Source Code Pro" panose="020B0509030403020204" charset="0"/>
+                <a:sym typeface="+mn-ea"/>
+              </a:rPr>
+              <a:t> </a:t>
+            </a:r>
+            <a:endParaRPr lang="en-US" altLang="zh-CN" sz="2000">
+              <a:solidFill>
+                <a:schemeClr val="bg2">
+                  <a:lumMod val="50000"/>
+                </a:schemeClr>
+              </a:solidFill>
+              <a:latin typeface="Source Code Pro" panose="020B0509030403020204" charset="0"/>
+              <a:cs typeface="Source Code Pro" panose="020B0509030403020204" charset="0"/>
+              <a:sym typeface="+mn-ea"/>
+            </a:endParaRPr>
+          </a:p>
+          <a:p>
+            <a:pPr indent="0" algn="l" eaLnBrk="1" latinLnBrk="0" hangingPunct="1"/>
+            <a:r>
+              <a:rPr lang="zh-CN" altLang="en-US" sz="2000">
+                <a:latin typeface="Source Code Pro" panose="020B0509030403020204" charset="0"/>
+                <a:cs typeface="Source Code Pro" panose="020B0509030403020204" charset="0"/>
+                <a:sym typeface="+mn-ea"/>
+              </a:rPr>
+              <a:t>        </a:t>
+            </a:r>
+            <a:r>
+              <a:rPr lang="en-US" altLang="zh-CN" sz="2000">
+                <a:latin typeface="Source Code Pro" panose="020B0509030403020204" charset="0"/>
+                <a:cs typeface="Source Code Pro" panose="020B0509030403020204" charset="0"/>
+                <a:sym typeface="+mn-ea"/>
+              </a:rPr>
+              <a:t>return super(</a:t>
+            </a:r>
+            <a:r>
+              <a:rPr lang="en-US" altLang="zh-CN" sz="2000">
+                <a:latin typeface="Source Code Pro" panose="020B0509030403020204" charset="0"/>
+                <a:cs typeface="Source Code Pro" panose="020B0509030403020204" charset="0"/>
+                <a:sym typeface="+mn-ea"/>
+              </a:rPr>
+              <a:t>M</a:t>
+            </a:r>
+            <a:r>
+              <a:rPr lang="zh-CN" altLang="en-US" sz="2000">
+                <a:latin typeface="Source Code Pro" panose="020B0509030403020204" charset="0"/>
+                <a:cs typeface="Source Code Pro" panose="020B0509030403020204" charset="0"/>
+                <a:sym typeface="+mn-ea"/>
+              </a:rPr>
+              <a:t>onitor</a:t>
+            </a:r>
+            <a:r>
+              <a:rPr lang="en-US" altLang="zh-CN" sz="2000">
+                <a:latin typeface="Source Code Pro" panose="020B0509030403020204" charset="0"/>
+                <a:cs typeface="Source Code Pro" panose="020B0509030403020204" charset="0"/>
+                <a:sym typeface="+mn-ea"/>
+              </a:rPr>
+              <a:t>,self).get_name()</a:t>
             </a:r>
             <a:endParaRPr lang="en-US" altLang="zh-CN" sz="2000">
               <a:latin typeface="Source Code Pro" panose="020B0509030403020204" charset="0"/>
@@ -10400,6 +10857,45 @@
 </file>
 
 <file path=ppt/tags/tag43.xml><?xml version="1.0" encoding="utf-8"?>
+<p:tagLst xmlns:p="http://schemas.openxmlformats.org/presentationml/2006/main">
+  <p:tag name="KSO_WM_TEMPLATE_CATEGORY" val="custom"/>
+  <p:tag name="KSO_WM_TEMPLATE_INDEX" val="20186830"/>
+  <p:tag name="KSO_WM_TAG_VERSION" val="1.0"/>
+  <p:tag name="KSO_WM_SLIDE_ID" val="custom20186830_7"/>
+  <p:tag name="KSO_WM_SLIDE_INDEX" val="7"/>
+  <p:tag name="KSO_WM_SLIDE_ITEM_CNT" val="1"/>
+  <p:tag name="KSO_WM_SLIDE_LAYOUT" val="a_l"/>
+  <p:tag name="KSO_WM_SLIDE_LAYOUT_CNT" val="1_1"/>
+  <p:tag name="KSO_WM_SLIDE_TYPE" val="text"/>
+  <p:tag name="KSO_WM_BEAUTIFY_FLAG" val="#wm#"/>
+  <p:tag name="KSO_WM_SLIDE_POSITION" val="25*85"/>
+  <p:tag name="KSO_WM_SLIDE_SIZE" val="452*279"/>
+  <p:tag name="KSO_WM_DIAGRAM_GROUP_CODE" val="l1-1"/>
+  <p:tag name="KSO_WM_SLIDE_SUBTYPE" val="diag"/>
+</p:tagLst>
+</file>
+
+<file path=ppt/tags/tag44.xml><?xml version="1.0" encoding="utf-8"?>
+<p:tagLst xmlns:p="http://schemas.openxmlformats.org/presentationml/2006/main">
+  <p:tag name="KSO_WM_TEMPLATE_CATEGORY" val="custom"/>
+  <p:tag name="KSO_WM_TEMPLATE_INDEX" val="20186830"/>
+  <p:tag name="KSO_WM_TAG_VERSION" val="1.0"/>
+  <p:tag name="KSO_WM_BEAUTIFY_FLAG" val="#wm#"/>
+  <p:tag name="KSO_WM_UNIT_TYPE" val="a"/>
+  <p:tag name="KSO_WM_UNIT_INDEX" val="1"/>
+  <p:tag name="KSO_WM_UNIT_ID" val="custom20186830_7*a*1"/>
+  <p:tag name="KSO_WM_UNIT_LAYERLEVEL" val="1"/>
+  <p:tag name="KSO_WM_UNIT_VALUE" val="19"/>
+  <p:tag name="KSO_WM_UNIT_ISCONTENTSTITLE" val="0"/>
+  <p:tag name="KSO_WM_UNIT_HIGHLIGHT" val="0"/>
+  <p:tag name="KSO_WM_UNIT_COMPATIBLE" val="0"/>
+  <p:tag name="KSO_WM_UNIT_CLEAR" val="0"/>
+  <p:tag name="KSO_WM_UNIT_PRESET_TEXT_INDEX" val="3"/>
+  <p:tag name="KSO_WM_UNIT_PRESET_TEXT_LEN" val="17"/>
+</p:tagLst>
+</file>
+
+<file path=ppt/tags/tag45.xml><?xml version="1.0" encoding="utf-8"?>
 <p:tagLst xmlns:p="http://schemas.openxmlformats.org/presentationml/2006/main">
   <p:tag name="KSO_WM_TEMPLATE_CATEGORY" val="custom"/>
   <p:tag name="KSO_WM_TEMPLATE_INDEX" val="20186830"/>
